--- a/Weekly-Reports/BearingCurrentsSourceAndMitigations.pptx
+++ b/Weekly-Reports/BearingCurrentsSourceAndMitigations.pptx
@@ -234,7 +234,7 @@
           <a:p>
             <a:fld id="{F4F1A71A-9BFD-4E2F-8CB1-3FF418E5A8DE}" type="datetimeFigureOut">
               <a:rPr lang="sv-SE" smtClean="0"/>
-              <a:t>2023-05-30</a:t>
+              <a:t>2023-05-31</a:t>
             </a:fld>
             <a:endParaRPr lang="sv-SE"/>
           </a:p>
@@ -633,7 +633,7 @@
           <a:p>
             <a:fld id="{F1EF6EBA-2446-4F83-BF27-4368AC2AD5AA}" type="datetimeFigureOut">
               <a:rPr lang="sv-SE" smtClean="0"/>
-              <a:t>2023-05-30</a:t>
+              <a:t>2023-05-31</a:t>
             </a:fld>
             <a:endParaRPr lang="sv-SE"/>
           </a:p>
@@ -803,7 +803,7 @@
           <a:p>
             <a:fld id="{F1EF6EBA-2446-4F83-BF27-4368AC2AD5AA}" type="datetimeFigureOut">
               <a:rPr lang="sv-SE" smtClean="0"/>
-              <a:t>2023-05-30</a:t>
+              <a:t>2023-05-31</a:t>
             </a:fld>
             <a:endParaRPr lang="sv-SE"/>
           </a:p>
@@ -983,7 +983,7 @@
           <a:p>
             <a:fld id="{F1EF6EBA-2446-4F83-BF27-4368AC2AD5AA}" type="datetimeFigureOut">
               <a:rPr lang="sv-SE" smtClean="0"/>
-              <a:t>2023-05-30</a:t>
+              <a:t>2023-05-31</a:t>
             </a:fld>
             <a:endParaRPr lang="sv-SE"/>
           </a:p>
@@ -1153,7 +1153,7 @@
           <a:p>
             <a:fld id="{F1EF6EBA-2446-4F83-BF27-4368AC2AD5AA}" type="datetimeFigureOut">
               <a:rPr lang="sv-SE" smtClean="0"/>
-              <a:t>2023-05-30</a:t>
+              <a:t>2023-05-31</a:t>
             </a:fld>
             <a:endParaRPr lang="sv-SE"/>
           </a:p>
@@ -1399,7 +1399,7 @@
           <a:p>
             <a:fld id="{F1EF6EBA-2446-4F83-BF27-4368AC2AD5AA}" type="datetimeFigureOut">
               <a:rPr lang="sv-SE" smtClean="0"/>
-              <a:t>2023-05-30</a:t>
+              <a:t>2023-05-31</a:t>
             </a:fld>
             <a:endParaRPr lang="sv-SE"/>
           </a:p>
@@ -1631,7 +1631,7 @@
           <a:p>
             <a:fld id="{F1EF6EBA-2446-4F83-BF27-4368AC2AD5AA}" type="datetimeFigureOut">
               <a:rPr lang="sv-SE" smtClean="0"/>
-              <a:t>2023-05-30</a:t>
+              <a:t>2023-05-31</a:t>
             </a:fld>
             <a:endParaRPr lang="sv-SE"/>
           </a:p>
@@ -1998,7 +1998,7 @@
           <a:p>
             <a:fld id="{F1EF6EBA-2446-4F83-BF27-4368AC2AD5AA}" type="datetimeFigureOut">
               <a:rPr lang="sv-SE" smtClean="0"/>
-              <a:t>2023-05-30</a:t>
+              <a:t>2023-05-31</a:t>
             </a:fld>
             <a:endParaRPr lang="sv-SE"/>
           </a:p>
@@ -2116,7 +2116,7 @@
           <a:p>
             <a:fld id="{F1EF6EBA-2446-4F83-BF27-4368AC2AD5AA}" type="datetimeFigureOut">
               <a:rPr lang="sv-SE" smtClean="0"/>
-              <a:t>2023-05-30</a:t>
+              <a:t>2023-05-31</a:t>
             </a:fld>
             <a:endParaRPr lang="sv-SE"/>
           </a:p>
@@ -2211,7 +2211,7 @@
           <a:p>
             <a:fld id="{F1EF6EBA-2446-4F83-BF27-4368AC2AD5AA}" type="datetimeFigureOut">
               <a:rPr lang="sv-SE" smtClean="0"/>
-              <a:t>2023-05-30</a:t>
+              <a:t>2023-05-31</a:t>
             </a:fld>
             <a:endParaRPr lang="sv-SE"/>
           </a:p>
@@ -2488,7 +2488,7 @@
           <a:p>
             <a:fld id="{F1EF6EBA-2446-4F83-BF27-4368AC2AD5AA}" type="datetimeFigureOut">
               <a:rPr lang="sv-SE" smtClean="0"/>
-              <a:t>2023-05-30</a:t>
+              <a:t>2023-05-31</a:t>
             </a:fld>
             <a:endParaRPr lang="sv-SE"/>
           </a:p>
@@ -2741,7 +2741,7 @@
           <a:p>
             <a:fld id="{F1EF6EBA-2446-4F83-BF27-4368AC2AD5AA}" type="datetimeFigureOut">
               <a:rPr lang="sv-SE" smtClean="0"/>
-              <a:t>2023-05-30</a:t>
+              <a:t>2023-05-31</a:t>
             </a:fld>
             <a:endParaRPr lang="sv-SE"/>
           </a:p>
@@ -2954,7 +2954,7 @@
           <a:p>
             <a:fld id="{F1EF6EBA-2446-4F83-BF27-4368AC2AD5AA}" type="datetimeFigureOut">
               <a:rPr lang="sv-SE" smtClean="0"/>
-              <a:t>2023-05-30</a:t>
+              <a:t>2023-05-31</a:t>
             </a:fld>
             <a:endParaRPr lang="sv-SE"/>
           </a:p>
@@ -3432,7 +3432,7 @@
                   <a:srgbClr val="C00000"/>
                 </a:solidFill>
               </a:rPr>
-              <a:t>Bearing Currents In EV Drives:</a:t>
+              <a:t>Bearing </a:t>
             </a:r>
             <a:r>
               <a:rPr lang="en-US" dirty="0" smtClean="0">
@@ -3440,7 +3440,7 @@
                   <a:srgbClr val="C00000"/>
                 </a:solidFill>
               </a:rPr>
-              <a:t/>
+              <a:t>Currents:</a:t>
             </a:r>
             <a:br>
               <a:rPr lang="en-US" dirty="0" smtClean="0">
@@ -3484,12 +3484,14 @@
         </p:nvSpPr>
         <p:spPr>
           <a:xfrm>
-            <a:off x="1581150" y="5087938"/>
-            <a:ext cx="9144000" cy="1655762"/>
+            <a:off x="762000" y="4103688"/>
+            <a:ext cx="10591800" cy="1655762"/>
           </a:xfrm>
         </p:spPr>
         <p:txBody>
-          <a:bodyPr/>
+          <a:bodyPr>
+            <a:normAutofit fontScale="92500" lnSpcReduction="20000"/>
+          </a:bodyPr>
           <a:lstStyle/>
           <a:p>
             <a:r>
@@ -3499,6 +3501,29 @@
                 </a:solidFill>
               </a:rPr>
               <a:t>Enes Ayaz</a:t>
+            </a:r>
+          </a:p>
+          <a:p>
+            <a:r>
+              <a:rPr lang="en-US" dirty="0" smtClean="0">
+                <a:solidFill>
+                  <a:srgbClr val="002060"/>
+                </a:solidFill>
+              </a:rPr>
+              <a:t>First Draft: 2023-05-31</a:t>
+            </a:r>
+          </a:p>
+          <a:p>
+            <a:endParaRPr lang="en-US" dirty="0" smtClean="0">
+              <a:solidFill>
+                <a:srgbClr val="002060"/>
+              </a:solidFill>
+            </a:endParaRPr>
+          </a:p>
+          <a:p>
+            <a:r>
+              <a:rPr lang="en-US" sz="1800" dirty="0" smtClean="0"/>
+              <a:t>It involves a brief literature review to understand and interpret bearing currents; and later on, it will be combined with topology and modulation selection. </a:t>
             </a:r>
           </a:p>
         </p:txBody>
@@ -3670,7 +3695,7 @@
         <p:spPr>
           <a:xfrm>
             <a:off x="577850" y="5000734"/>
-            <a:ext cx="10731500" cy="1200329"/>
+            <a:ext cx="10731500" cy="1477328"/>
           </a:xfrm>
           <a:prstGeom prst="rect">
             <a:avLst/>
@@ -3755,17 +3780,54 @@
               <a:t> </a:t>
             </a:r>
             <a:r>
-              <a:rPr lang="sv-SE" dirty="0" err="1"/>
+              <a:rPr lang="sv-SE" dirty="0" smtClean="0"/>
+              <a:t>(</a:t>
+            </a:r>
+            <a:r>
+              <a:rPr lang="sv-SE" dirty="0" err="1" smtClean="0"/>
               <a:t>i</a:t>
             </a:r>
             <a:r>
-              <a:rPr lang="sv-SE" sz="1400" dirty="0" err="1"/>
+              <a:rPr lang="sv-SE" sz="1400" dirty="0" err="1" smtClean="0"/>
               <a:t>com</a:t>
             </a:r>
             <a:r>
               <a:rPr lang="sv-SE" dirty="0" smtClean="0"/>
-              <a:t>.</a:t>
-            </a:r>
+              <a:t>), </a:t>
+            </a:r>
+            <a:r>
+              <a:rPr lang="sv-SE" dirty="0" err="1" smtClean="0"/>
+              <a:t>which</a:t>
+            </a:r>
+            <a:r>
+              <a:rPr lang="sv-SE" dirty="0" smtClean="0"/>
+              <a:t> </a:t>
+            </a:r>
+            <a:r>
+              <a:rPr lang="sv-SE" dirty="0" err="1" smtClean="0"/>
+              <a:t>follows</a:t>
+            </a:r>
+            <a:r>
+              <a:rPr lang="sv-SE" dirty="0" smtClean="0"/>
+              <a:t> the </a:t>
+            </a:r>
+            <a:r>
+              <a:rPr lang="en-US" b="1" dirty="0" err="1" smtClean="0"/>
+              <a:t>winding</a:t>
+            </a:r>
+            <a:r>
+              <a:rPr lang="en-US" b="1" dirty="0" err="1"/>
+              <a:t>→stator→ground</a:t>
+            </a:r>
+            <a:r>
+              <a:rPr lang="en-US" b="1" dirty="0"/>
+              <a:t> </a:t>
+            </a:r>
+            <a:r>
+              <a:rPr lang="en-US" b="1" dirty="0" smtClean="0"/>
+              <a:t>path. </a:t>
+            </a:r>
+            <a:endParaRPr lang="sv-SE" dirty="0" smtClean="0"/>
           </a:p>
           <a:p>
             <a:pPr marL="285750" indent="-285750">
@@ -3774,7 +3836,15 @@
             </a:pPr>
             <a:r>
               <a:rPr lang="en-US" dirty="0"/>
-              <a:t>The circulating bearing current and the common mode current are coupled via the common mode flux. </a:t>
+              <a:t>The circulating bearing current and the common mode current are coupled via the </a:t>
+            </a:r>
+            <a:r>
+              <a:rPr lang="en-US" b="1" dirty="0"/>
+              <a:t>common mode flux</a:t>
+            </a:r>
+            <a:r>
+              <a:rPr lang="en-US" dirty="0"/>
+              <a:t>. </a:t>
             </a:r>
             <a:endParaRPr lang="en-US" dirty="0" smtClean="0"/>
           </a:p>
@@ -3789,7 +3859,15 @@
             </a:r>
             <a:r>
               <a:rPr lang="en-US" dirty="0"/>
-              <a:t>mechanism can be considered as a transformer with the primary side having common mode current and the secondary side with circulating bearing current.</a:t>
+              <a:t>mechanism can be considered </a:t>
+            </a:r>
+            <a:r>
+              <a:rPr lang="en-US" b="1" dirty="0"/>
+              <a:t>as a transformer </a:t>
+            </a:r>
+            <a:r>
+              <a:rPr lang="en-US" dirty="0"/>
+              <a:t>with the primary side having common mode current and the secondary side with circulating bearing current.</a:t>
             </a:r>
             <a:endParaRPr lang="sv-SE" dirty="0"/>
           </a:p>
@@ -3992,7 +4070,15 @@
             </a:r>
             <a:r>
               <a:rPr lang="en-US" sz="1900" dirty="0"/>
-              <a:t>common mode voltage generates the common mode current which flows via the winding-to-stator capacitor into the stator laminations</a:t>
+              <a:t>common mode voltage generates the common mode current which flows via the </a:t>
+            </a:r>
+            <a:r>
+              <a:rPr lang="en-US" sz="1900" b="1" dirty="0"/>
+              <a:t>winding-to-stator capacitor</a:t>
+            </a:r>
+            <a:r>
+              <a:rPr lang="en-US" sz="1900" dirty="0"/>
+              <a:t> into the stator laminations</a:t>
             </a:r>
             <a:r>
               <a:rPr lang="en-US" sz="1900" dirty="0" smtClean="0"/>
@@ -4006,9 +4092,25 @@
             </a:r>
             <a:r>
               <a:rPr lang="en-US" sz="1900" dirty="0"/>
-              <a:t>impedance of the stator core is strongly frequency-dependent due to the skin effect. The skin and proximity effects are taken into account by modeling the resistances and inductances by ladder circuits</a:t>
-            </a:r>
-            <a:endParaRPr lang="en-US" sz="1900" dirty="0" smtClean="0"/>
+              <a:t>impedance of the stator core is strongly frequency-dependent due to the skin effect. </a:t>
+            </a:r>
+            <a:r>
+              <a:rPr lang="en-US" sz="1900" b="1" dirty="0"/>
+              <a:t>The skin and proximity effects</a:t>
+            </a:r>
+            <a:r>
+              <a:rPr lang="en-US" sz="1900" dirty="0"/>
+              <a:t> are taken into account by modeling the resistances and inductances by </a:t>
+            </a:r>
+            <a:r>
+              <a:rPr lang="en-US" sz="1900" b="1" dirty="0"/>
+              <a:t>ladder </a:t>
+            </a:r>
+            <a:r>
+              <a:rPr lang="en-US" sz="1900" b="1" dirty="0" smtClean="0"/>
+              <a:t>circuits.</a:t>
+            </a:r>
+            <a:endParaRPr lang="en-US" sz="1900" b="1" dirty="0" smtClean="0"/>
           </a:p>
           <a:p>
             <a:pPr marL="0" indent="0">
@@ -4824,7 +4926,11 @@
             </a:r>
             <a:r>
               <a:rPr lang="en-US" dirty="0"/>
-              <a:t>side mitigation methods act directly on the source so that they are effective for all four bearing current mechanisms</a:t>
+              <a:t>side mitigation methods act directly on the source so that they are effective for </a:t>
+            </a:r>
+            <a:r>
+              <a:rPr lang="en-US" b="1" dirty="0"/>
+              <a:t>all four bearing current mechanisms</a:t>
             </a:r>
             <a:r>
               <a:rPr lang="en-US" dirty="0" smtClean="0"/>
@@ -4844,8 +4950,21 @@
             </a:pPr>
             <a:r>
               <a:rPr lang="sv-SE" dirty="0" smtClean="0"/>
-              <a:t>New modulations</a:t>
-            </a:r>
+              <a:t>New </a:t>
+            </a:r>
+            <a:r>
+              <a:rPr lang="sv-SE" dirty="0" smtClean="0"/>
+              <a:t>modulation </a:t>
+            </a:r>
+            <a:r>
+              <a:rPr lang="sv-SE" dirty="0" err="1" smtClean="0"/>
+              <a:t>strategies</a:t>
+            </a:r>
+            <a:r>
+              <a:rPr lang="sv-SE" dirty="0" smtClean="0"/>
+              <a:t>.</a:t>
+            </a:r>
+            <a:endParaRPr lang="sv-SE" dirty="0" smtClean="0"/>
           </a:p>
           <a:p>
             <a:pPr marL="742950" lvl="1" indent="-285750">
@@ -4864,8 +4983,13 @@
             </a:pPr>
             <a:r>
               <a:rPr lang="en-US" dirty="0" smtClean="0"/>
-              <a:t>Space vector modulation</a:t>
-            </a:r>
+              <a:t>Space vector </a:t>
+            </a:r>
+            <a:r>
+              <a:rPr lang="en-US" dirty="0" smtClean="0"/>
+              <a:t>modulation</a:t>
+            </a:r>
+            <a:endParaRPr lang="en-US" dirty="0" smtClean="0"/>
           </a:p>
           <a:p>
             <a:pPr marL="742950" lvl="1" indent="-285750">
@@ -5409,12 +5533,17 @@
               <a:rPr lang="en-US" sz="1800" dirty="0" smtClean="0"/>
               <a:t>` </a:t>
             </a:r>
+            <a:r>
+              <a:rPr lang="en-US" sz="1800" dirty="0" smtClean="0"/>
+              <a:t>. It may stem from:</a:t>
+            </a:r>
+            <a:endParaRPr lang="en-US" sz="1800" dirty="0" smtClean="0"/>
           </a:p>
           <a:p>
             <a:pPr lvl="2"/>
             <a:r>
               <a:rPr lang="en-US" sz="1800" dirty="0" smtClean="0"/>
-              <a:t>Inability </a:t>
+              <a:t>The inability </a:t>
             </a:r>
             <a:r>
               <a:rPr lang="en-US" sz="1800" dirty="0"/>
@@ -5429,7 +5558,7 @@
             <a:pPr lvl="2"/>
             <a:r>
               <a:rPr lang="en-US" sz="1800" dirty="0" smtClean="0"/>
-              <a:t>Unbalanced </a:t>
+              <a:t>The unbalanced </a:t>
             </a:r>
             <a:r>
               <a:rPr lang="en-US" sz="1800" dirty="0"/>
@@ -5441,7 +5570,7 @@
             </a:r>
           </a:p>
           <a:p>
-            <a:pPr lvl="1"/>
+            <a:pPr lvl="2"/>
             <a:r>
               <a:rPr lang="en-US" sz="1800" dirty="0" smtClean="0"/>
               <a:t>Anisotropy of magnet`s </a:t>
@@ -5452,7 +5581,11 @@
             </a:r>
             <a:r>
               <a:rPr lang="en-US" sz="1800" dirty="0" smtClean="0"/>
-              <a:t> and permeability of iron core material</a:t>
+              <a:t> and permeability of iron core </a:t>
+            </a:r>
+            <a:r>
+              <a:rPr lang="en-US" sz="1800" dirty="0" smtClean="0"/>
+              <a:t>material.</a:t>
             </a:r>
             <a:endParaRPr lang="en-US" sz="1800" dirty="0"/>
           </a:p>
@@ -5478,19 +5611,49 @@
             </a:r>
             <a:r>
               <a:rPr lang="en-US" sz="1800" b="1" dirty="0" smtClean="0"/>
-              <a:t>common mode voltage (CMV), </a:t>
+              <a:t>common mode voltage (CMV</a:t>
+            </a:r>
+            <a:r>
+              <a:rPr lang="en-US" sz="1800" b="1" dirty="0" smtClean="0"/>
+              <a:t>) </a:t>
             </a:r>
             <a:r>
               <a:rPr lang="en-US" sz="1800" dirty="0" smtClean="0"/>
-              <a:t>resulting `shaft voltage` in variable frequency drives (VFDs)</a:t>
-            </a:r>
+              <a:t>in </a:t>
+            </a:r>
+            <a:r>
+              <a:rPr lang="en-US" sz="1800" dirty="0" smtClean="0"/>
+              <a:t>variable frequency drives (VFDs</a:t>
+            </a:r>
+            <a:r>
+              <a:rPr lang="en-US" sz="1800" dirty="0"/>
+              <a:t>), resulting </a:t>
+            </a:r>
+            <a:r>
+              <a:rPr lang="en-US" sz="1800" b="1" dirty="0"/>
+              <a:t>`shaft voltage</a:t>
+            </a:r>
+            <a:r>
+              <a:rPr lang="en-US" sz="1800" b="1" dirty="0" smtClean="0"/>
+              <a:t>`. </a:t>
+            </a:r>
+            <a:r>
+              <a:rPr lang="en-US" sz="1800" dirty="0" smtClean="0"/>
+              <a:t>It can be conducted via :</a:t>
+            </a:r>
+            <a:endParaRPr lang="en-US" sz="1800" b="1" dirty="0" smtClean="0"/>
           </a:p>
           <a:p>
             <a:pPr lvl="2"/>
             <a:r>
               <a:rPr lang="en-US" sz="1800" dirty="0" smtClean="0"/>
-              <a:t>capacitive path</a:t>
-            </a:r>
+              <a:t>capacitive </a:t>
+            </a:r>
+            <a:r>
+              <a:rPr lang="en-US" sz="1800" dirty="0" smtClean="0"/>
+              <a:t>path</a:t>
+            </a:r>
+            <a:endParaRPr lang="en-US" sz="1800" dirty="0" smtClean="0"/>
           </a:p>
           <a:p>
             <a:pPr lvl="2"/>
@@ -5523,7 +5686,7 @@
             </a:r>
             <a:r>
               <a:rPr lang="en-US" sz="1800" dirty="0" smtClean="0"/>
-              <a:t>given </a:t>
+              <a:t>also given </a:t>
             </a:r>
             <a:r>
               <a:rPr lang="en-US" sz="1800" dirty="0"/>
@@ -5542,8 +5705,8 @@
               <a:t>dt</a:t>
             </a:r>
             <a:r>
-              <a:rPr lang="en-US" sz="1800" dirty="0" err="1" smtClean="0"/>
-              <a:t>.</a:t>
+              <a:rPr lang="en-US" sz="1800" dirty="0" smtClean="0"/>
+              <a:t>, resulting also capacitive current.</a:t>
             </a:r>
             <a:endParaRPr lang="en-US" sz="1800" dirty="0" smtClean="0"/>
           </a:p>
@@ -5566,9 +5729,8 @@
             </a:endParaRPr>
           </a:p>
           <a:p>
-            <a:pPr marL="457200" indent="-457200">
-              <a:buFont typeface="+mj-lt"/>
-              <a:buAutoNum type="arabicPeriod"/>
+            <a:pPr marL="0" indent="0">
+              <a:buNone/>
             </a:pPr>
             <a:r>
               <a:rPr lang="en-US" sz="1800" dirty="0" smtClean="0"/>
@@ -5588,17 +5750,11 @@
             </a:r>
             <a:r>
               <a:rPr lang="en-US" sz="1800" dirty="0" smtClean="0"/>
-              <a:t>[1].</a:t>
-            </a:r>
-          </a:p>
-          <a:p>
-            <a:pPr marL="457200" indent="-457200">
-              <a:buFont typeface="+mj-lt"/>
-              <a:buAutoNum type="arabicPeriod"/>
-            </a:pPr>
+              <a:t>[1</a:t>
+            </a:r>
             <a:r>
               <a:rPr lang="en-US" sz="1800" dirty="0" smtClean="0"/>
-              <a:t>2.</a:t>
+              <a:t>]. </a:t>
             </a:r>
             <a:r>
               <a:rPr lang="en-US" sz="1800" b="1" dirty="0" smtClean="0"/>
@@ -5744,8 +5900,9 @@
             </a:r>
             <a:r>
               <a:rPr lang="en-US" sz="1800" b="1" dirty="0" smtClean="0"/>
-              <a:t>VOLTAGE</a:t>
-            </a:r>
+              <a:t>VOLTAGE (CMV)</a:t>
+            </a:r>
+            <a:endParaRPr lang="en-US" sz="1800" b="1" dirty="0" smtClean="0"/>
           </a:p>
           <a:p>
             <a:pPr marL="0" indent="0">
@@ -5761,18 +5918,95 @@
             </a:r>
             <a:r>
               <a:rPr lang="en-US" sz="1800" dirty="0"/>
-              <a:t>neutral to ground voltage is the zero-sequence voltage, </a:t>
+              <a:t>neutral to ground voltage is </a:t>
             </a:r>
             <a:r>
               <a:rPr lang="en-US" sz="1800" dirty="0" smtClean="0"/>
-              <a:t>expressed below</a:t>
-            </a:r>
+              <a:t>also called as</a:t>
+            </a:r>
+            <a:r>
+              <a:rPr lang="en-US" sz="1800" dirty="0" smtClean="0"/>
+              <a:t> </a:t>
+            </a:r>
+            <a:r>
+              <a:rPr lang="en-US" sz="1800" dirty="0"/>
+              <a:t>zero-sequence </a:t>
+            </a:r>
+            <a:r>
+              <a:rPr lang="en-US" sz="1800" dirty="0" smtClean="0"/>
+              <a:t>voltage or CMV, as expressed below</a:t>
+            </a:r>
+          </a:p>
+          <a:p>
+            <a:pPr marL="0" indent="0">
+              <a:buNone/>
+            </a:pPr>
             <a:endParaRPr lang="en-US" sz="1800" dirty="0"/>
           </a:p>
           <a:p>
-            <a:pPr marL="514350" indent="-514350">
-              <a:buFont typeface="+mj-lt"/>
-              <a:buAutoNum type="arabicPeriod"/>
+            <a:pPr marL="0" indent="0">
+              <a:buNone/>
+            </a:pPr>
+            <a:endParaRPr lang="en-US" sz="1800" dirty="0"/>
+          </a:p>
+          <a:p>
+            <a:pPr marL="0" indent="0">
+              <a:buNone/>
+            </a:pPr>
+            <a:r>
+              <a:rPr lang="en-US" sz="1800" dirty="0"/>
+              <a:t>The frequency of the </a:t>
+            </a:r>
+            <a:r>
+              <a:rPr lang="en-US" sz="1800" dirty="0" smtClean="0"/>
+              <a:t>CMV is </a:t>
+            </a:r>
+            <a:r>
+              <a:rPr lang="en-US" sz="1800" dirty="0"/>
+              <a:t>3 times the switching frequency and the switching </a:t>
+            </a:r>
+            <a:r>
+              <a:rPr lang="en-US" sz="1800" dirty="0" smtClean="0"/>
+              <a:t>action also </a:t>
+            </a:r>
+            <a:r>
+              <a:rPr lang="en-US" sz="1800" dirty="0"/>
+              <a:t>produces very high </a:t>
+            </a:r>
+            <a:r>
+              <a:rPr lang="en-US" sz="1800" b="1" dirty="0" smtClean="0"/>
+              <a:t>dv/</a:t>
+            </a:r>
+            <a:r>
+              <a:rPr lang="en-US" sz="1800" b="1" dirty="0" err="1" smtClean="0"/>
+              <a:t>dt.</a:t>
+            </a:r>
+            <a:endParaRPr lang="en-US" sz="1800" b="1" dirty="0" smtClean="0"/>
+          </a:p>
+          <a:p>
+            <a:pPr marL="0" indent="0">
+              <a:buNone/>
+            </a:pPr>
+            <a:endParaRPr lang="en-US" sz="1800" dirty="0"/>
+          </a:p>
+          <a:p>
+            <a:pPr marL="0" indent="0">
+              <a:buNone/>
+            </a:pPr>
+            <a:r>
+              <a:rPr lang="sv-SE" sz="1800" dirty="0" smtClean="0"/>
+              <a:t>					</a:t>
+            </a:r>
+          </a:p>
+          <a:p>
+            <a:pPr marL="0" indent="0">
+              <a:buNone/>
+            </a:pPr>
+            <a:endParaRPr lang="en-US" sz="1800" dirty="0"/>
+          </a:p>
+          <a:p>
+            <a:pPr marL="0" indent="0">
+              <a:buNone/>
             </a:pPr>
             <a:endParaRPr lang="en-US" sz="1800" dirty="0" smtClean="0"/>
           </a:p>
@@ -5786,19 +6020,7 @@
             <a:pPr marL="0" indent="0">
               <a:buNone/>
             </a:pPr>
-            <a:r>
-              <a:rPr lang="en-US" sz="1800" dirty="0"/>
-              <a:t>The frequency of the common mode voltage is 3 times the switching frequency and the switching action produces very high </a:t>
-            </a:r>
-            <a:r>
-              <a:rPr lang="en-US" sz="1800" dirty="0" smtClean="0"/>
-              <a:t>dv/</a:t>
-            </a:r>
-            <a:r>
-              <a:rPr lang="en-US" sz="1800" dirty="0" err="1" smtClean="0"/>
-              <a:t>dt.</a:t>
-            </a:r>
-            <a:endParaRPr lang="en-US" sz="1800" dirty="0" smtClean="0"/>
+            <a:endParaRPr lang="en-US" sz="1800" dirty="0"/>
           </a:p>
           <a:p>
             <a:pPr marL="0" indent="0">
@@ -5811,45 +6033,6 @@
               <a:buNone/>
             </a:pPr>
             <a:r>
-              <a:rPr lang="sv-SE" sz="1800" dirty="0" smtClean="0"/>
-              <a:t>					</a:t>
-            </a:r>
-          </a:p>
-          <a:p>
-            <a:pPr marL="0" indent="0">
-              <a:buNone/>
-            </a:pPr>
-            <a:endParaRPr lang="en-US" sz="1800" dirty="0"/>
-          </a:p>
-          <a:p>
-            <a:pPr marL="0" indent="0">
-              <a:buNone/>
-            </a:pPr>
-            <a:endParaRPr lang="en-US" sz="1800" dirty="0" smtClean="0"/>
-          </a:p>
-          <a:p>
-            <a:pPr marL="0" indent="0">
-              <a:buNone/>
-            </a:pPr>
-            <a:endParaRPr lang="en-US" sz="1800" dirty="0"/>
-          </a:p>
-          <a:p>
-            <a:pPr marL="0" indent="0">
-              <a:buNone/>
-            </a:pPr>
-            <a:endParaRPr lang="en-US" sz="1800" dirty="0"/>
-          </a:p>
-          <a:p>
-            <a:pPr marL="0" indent="0">
-              <a:buNone/>
-            </a:pPr>
-            <a:endParaRPr lang="en-US" sz="1800" dirty="0"/>
-          </a:p>
-          <a:p>
-            <a:pPr marL="0" indent="0">
-              <a:buNone/>
-            </a:pPr>
-            <a:r>
               <a:rPr lang="en-US" sz="1800" dirty="0" smtClean="0"/>
               <a:t>The </a:t>
             </a:r>
@@ -5871,7 +6054,15 @@
             </a:r>
             <a:r>
               <a:rPr lang="en-US" sz="1800" dirty="0"/>
-              <a:t>speed. the peak magnitude is affected by </a:t>
+              <a:t>speed. </a:t>
+            </a:r>
+            <a:r>
+              <a:rPr lang="en-US" sz="1800" dirty="0" smtClean="0"/>
+              <a:t>However, the </a:t>
+            </a:r>
+            <a:r>
+              <a:rPr lang="en-US" sz="1800" dirty="0"/>
+              <a:t>peak magnitude is affected by </a:t>
             </a:r>
             <a:r>
               <a:rPr lang="en-US" sz="1800" dirty="0" smtClean="0"/>
@@ -5996,257 +6187,462 @@
           <a:chExt cx="0" cy="0"/>
         </a:xfrm>
       </p:grpSpPr>
-      <p:sp>
-        <p:nvSpPr>
-          <p:cNvPr id="3" name="Content Placeholder 2"/>
-          <p:cNvSpPr>
-            <a:spLocks noGrp="1"/>
-          </p:cNvSpPr>
-          <p:nvPr>
-            <p:ph idx="1"/>
-          </p:nvPr>
-        </p:nvSpPr>
-        <p:spPr>
-          <a:xfrm>
-            <a:off x="889000" y="1444625"/>
-            <a:ext cx="10515600" cy="4351338"/>
-          </a:xfrm>
-        </p:spPr>
-        <p:txBody>
-          <a:bodyPr>
-            <a:normAutofit lnSpcReduction="10000"/>
-          </a:bodyPr>
-          <a:lstStyle/>
-          <a:p>
-            <a:pPr marL="0" indent="0">
-              <a:buNone/>
-            </a:pPr>
-            <a:r>
-              <a:rPr lang="en-US" sz="2000" b="1" dirty="0"/>
-              <a:t>FOUR TYPES OF BEARING CURRENT </a:t>
-            </a:r>
-            <a:r>
-              <a:rPr lang="en-US" sz="2000" b="1" dirty="0" smtClean="0"/>
-              <a:t>MECHANISMS</a:t>
-            </a:r>
-            <a:endParaRPr lang="sv-SE" sz="2000" b="1" dirty="0"/>
-          </a:p>
-          <a:p>
-            <a:pPr marL="0" indent="0">
-              <a:buNone/>
-            </a:pPr>
-            <a:r>
-              <a:rPr lang="en-US" sz="2000" dirty="0" smtClean="0"/>
-              <a:t>The stray </a:t>
-            </a:r>
-            <a:r>
-              <a:rPr lang="en-US" sz="2000" dirty="0"/>
-              <a:t>capacitances or parasitic capacitances in the machine provide a path for the bearing </a:t>
-            </a:r>
-            <a:r>
-              <a:rPr lang="en-US" sz="2000" dirty="0" smtClean="0"/>
-              <a:t>current.</a:t>
-            </a:r>
-            <a:endParaRPr lang="en-US" sz="2000" b="1" dirty="0"/>
-          </a:p>
-          <a:p>
-            <a:pPr marL="0" indent="0">
-              <a:buNone/>
-            </a:pPr>
-            <a:r>
-              <a:rPr lang="en-US" sz="2000" b="1" dirty="0" smtClean="0"/>
-              <a:t>1. CAPACITIVE </a:t>
-            </a:r>
-            <a:r>
-              <a:rPr lang="en-US" sz="2000" b="1" dirty="0"/>
-              <a:t>BEARING </a:t>
-            </a:r>
-            <a:r>
-              <a:rPr lang="en-US" sz="2000" b="1" dirty="0" smtClean="0"/>
-              <a:t>CURRENTS</a:t>
-            </a:r>
-            <a:endParaRPr lang="en-US" sz="2000" b="1" dirty="0"/>
-          </a:p>
-          <a:p>
-            <a:pPr marL="0" indent="0">
-              <a:buNone/>
-            </a:pPr>
-            <a:r>
-              <a:rPr lang="en-US" sz="2000" dirty="0" smtClean="0"/>
-              <a:t>The main </a:t>
-            </a:r>
-            <a:r>
-              <a:rPr lang="en-US" sz="2000" dirty="0"/>
-              <a:t>parasitic </a:t>
-            </a:r>
-            <a:r>
-              <a:rPr lang="en-US" sz="2000" dirty="0" smtClean="0"/>
-              <a:t>capacitances in </a:t>
-            </a:r>
-            <a:r>
-              <a:rPr lang="en-US" sz="2000" dirty="0"/>
-              <a:t>the machine have been identified </a:t>
-            </a:r>
-            <a:r>
-              <a:rPr lang="en-US" sz="2000" dirty="0" smtClean="0"/>
-              <a:t>as :</a:t>
-            </a:r>
-          </a:p>
-          <a:p>
-            <a:pPr lvl="1"/>
-            <a:r>
-              <a:rPr lang="en-US" sz="2000" dirty="0"/>
-              <a:t>W</a:t>
-            </a:r>
-            <a:r>
-              <a:rPr lang="en-US" sz="2000" dirty="0" smtClean="0"/>
-              <a:t>inding-stator </a:t>
-            </a:r>
-            <a:r>
-              <a:rPr lang="en-US" sz="2000" dirty="0"/>
-              <a:t>frame capacitor </a:t>
-            </a:r>
-            <a:r>
-              <a:rPr lang="en-US" sz="2000" dirty="0" err="1" smtClean="0"/>
-              <a:t>Cwf</a:t>
-            </a:r>
-            <a:r>
-              <a:rPr lang="en-US" sz="2000" dirty="0" smtClean="0"/>
-              <a:t>. </a:t>
-            </a:r>
-          </a:p>
-          <a:p>
-            <a:pPr lvl="1"/>
-            <a:r>
-              <a:rPr lang="en-US" sz="2000" dirty="0"/>
-              <a:t>W</a:t>
-            </a:r>
-            <a:r>
-              <a:rPr lang="en-US" sz="2000" dirty="0" smtClean="0"/>
-              <a:t>inding-rotor </a:t>
-            </a:r>
-            <a:r>
-              <a:rPr lang="en-US" sz="2000" dirty="0"/>
-              <a:t>capacitor </a:t>
-            </a:r>
-            <a:r>
-              <a:rPr lang="en-US" sz="2000" dirty="0" err="1" smtClean="0"/>
-              <a:t>Cwr</a:t>
-            </a:r>
-            <a:r>
-              <a:rPr lang="en-US" sz="2000" dirty="0" smtClean="0"/>
-              <a:t>. </a:t>
-            </a:r>
-          </a:p>
-          <a:p>
-            <a:pPr lvl="1"/>
-            <a:r>
-              <a:rPr lang="en-US" sz="2000" dirty="0"/>
-              <a:t>S</a:t>
-            </a:r>
-            <a:r>
-              <a:rPr lang="en-US" sz="2000" dirty="0" smtClean="0"/>
-              <a:t>tator-rotor </a:t>
-            </a:r>
-            <a:r>
-              <a:rPr lang="en-US" sz="2000" dirty="0"/>
-              <a:t>capacitor </a:t>
-            </a:r>
-            <a:r>
-              <a:rPr lang="en-US" sz="2000" dirty="0" err="1" smtClean="0"/>
-              <a:t>Crf</a:t>
-            </a:r>
-            <a:r>
-              <a:rPr lang="en-US" sz="2000" dirty="0" smtClean="0"/>
-              <a:t>.</a:t>
-            </a:r>
-          </a:p>
-          <a:p>
-            <a:pPr lvl="1"/>
-            <a:r>
-              <a:rPr lang="en-US" sz="2000" dirty="0" smtClean="0"/>
-              <a:t>The </a:t>
-            </a:r>
-            <a:r>
-              <a:rPr lang="en-US" sz="2000" dirty="0"/>
-              <a:t>bearings act as capacitors, Cb1 and Cb2</a:t>
-            </a:r>
-            <a:r>
-              <a:rPr lang="en-US" sz="2000" dirty="0" smtClean="0"/>
-              <a:t>.</a:t>
-            </a:r>
-            <a:endParaRPr lang="sv-SE" sz="2000" dirty="0"/>
-          </a:p>
-          <a:p>
-            <a:pPr lvl="1"/>
-            <a:endParaRPr lang="en-US" sz="2000" dirty="0"/>
-          </a:p>
-          <a:p>
-            <a:pPr marL="0" indent="0">
-              <a:buNone/>
-            </a:pPr>
-            <a:r>
-              <a:rPr lang="en-US" sz="1800" dirty="0"/>
-              <a:t>If the speed is low (&lt; 100rpm), the bearing </a:t>
-            </a:r>
-            <a:r>
-              <a:rPr lang="en-US" sz="1800" dirty="0" smtClean="0"/>
-              <a:t>ball may </a:t>
-            </a:r>
-            <a:r>
-              <a:rPr lang="en-US" sz="1800" dirty="0"/>
-              <a:t>contact the </a:t>
-            </a:r>
-            <a:r>
-              <a:rPr lang="en-US" sz="1800" dirty="0" smtClean="0"/>
-              <a:t>races </a:t>
-            </a:r>
-          </a:p>
-          <a:p>
-            <a:pPr marL="0" indent="0">
-              <a:buNone/>
-            </a:pPr>
-            <a:r>
-              <a:rPr lang="en-US" sz="1800" dirty="0" smtClean="0"/>
-              <a:t>and </a:t>
-            </a:r>
-            <a:r>
-              <a:rPr lang="en-US" sz="1800" dirty="0"/>
-              <a:t>hence the bearing is  </a:t>
-            </a:r>
-            <a:r>
-              <a:rPr lang="en-US" sz="1800" dirty="0" smtClean="0"/>
-              <a:t>equivalent </a:t>
-            </a:r>
-            <a:r>
-              <a:rPr lang="en-US" sz="1800" dirty="0"/>
-              <a:t>to a resistor. </a:t>
-            </a:r>
-            <a:endParaRPr lang="en-US" sz="1800" dirty="0" smtClean="0"/>
-          </a:p>
-          <a:p>
-            <a:pPr marL="0" indent="0">
-              <a:buNone/>
-            </a:pPr>
-            <a:r>
-              <a:rPr lang="en-US" sz="1800" dirty="0" smtClean="0"/>
-              <a:t>The </a:t>
-            </a:r>
-            <a:r>
-              <a:rPr lang="en-US" sz="1800" dirty="0"/>
-              <a:t>amplitude of this bearing current is </a:t>
-            </a:r>
-            <a:r>
-              <a:rPr lang="en-US" sz="1800" dirty="0" smtClean="0"/>
-              <a:t>typically </a:t>
-            </a:r>
-            <a:r>
-              <a:rPr lang="en-US" sz="1800" dirty="0"/>
-              <a:t>≤ 200mA.</a:t>
-            </a:r>
-          </a:p>
-        </p:txBody>
-      </p:sp>
+      <mc:AlternateContent xmlns:mc="http://schemas.openxmlformats.org/markup-compatibility/2006">
+        <mc:Choice xmlns:a14="http://schemas.microsoft.com/office/drawing/2010/main" Requires="a14">
+          <p:sp>
+            <p:nvSpPr>
+              <p:cNvPr id="3" name="Content Placeholder 2"/>
+              <p:cNvSpPr>
+                <a:spLocks noGrp="1"/>
+              </p:cNvSpPr>
+              <p:nvPr>
+                <p:ph idx="1"/>
+              </p:nvPr>
+            </p:nvSpPr>
+            <p:spPr>
+              <a:xfrm>
+                <a:off x="889000" y="1444625"/>
+                <a:ext cx="10515600" cy="4351338"/>
+              </a:xfrm>
+            </p:spPr>
+            <p:txBody>
+              <a:bodyPr>
+                <a:normAutofit lnSpcReduction="10000"/>
+              </a:bodyPr>
+              <a:lstStyle/>
+              <a:p>
+                <a:pPr marL="0" indent="0">
+                  <a:buNone/>
+                </a:pPr>
+                <a:r>
+                  <a:rPr lang="en-US" sz="2000" b="1" dirty="0" smtClean="0"/>
+                  <a:t>FOUR TYPES OF BEARING CURRENT </a:t>
+                </a:r>
+                <a:r>
+                  <a:rPr lang="en-US" sz="2000" b="1" dirty="0" smtClean="0"/>
+                  <a:t>MECHANISMS</a:t>
+                </a:r>
+                <a:endParaRPr lang="sv-SE" sz="2000" b="1" dirty="0"/>
+              </a:p>
+              <a:p>
+                <a:pPr marL="0" indent="0">
+                  <a:buNone/>
+                </a:pPr>
+                <a:r>
+                  <a:rPr lang="en-US" sz="2000" dirty="0" smtClean="0"/>
+                  <a:t>The stray </a:t>
+                </a:r>
+                <a:r>
+                  <a:rPr lang="en-US" sz="2000" dirty="0" smtClean="0"/>
+                  <a:t>or </a:t>
+                </a:r>
+                <a:r>
+                  <a:rPr lang="en-US" sz="2000" dirty="0"/>
+                  <a:t>parasitic </a:t>
+                </a:r>
+                <a:r>
+                  <a:rPr lang="en-US" sz="2000" dirty="0" smtClean="0"/>
+                  <a:t>capacitances and inductive paths </a:t>
+                </a:r>
+                <a:r>
+                  <a:rPr lang="en-US" sz="2000" dirty="0"/>
+                  <a:t>in the machine provide a path for the bearing </a:t>
+                </a:r>
+                <a:r>
+                  <a:rPr lang="en-US" sz="2000" dirty="0" smtClean="0"/>
+                  <a:t>current.</a:t>
+                </a:r>
+                <a:endParaRPr lang="en-US" sz="2000" b="1" dirty="0"/>
+              </a:p>
+              <a:p>
+                <a:pPr marL="0" indent="0">
+                  <a:buNone/>
+                </a:pPr>
+                <a:r>
+                  <a:rPr lang="en-US" sz="2000" b="1" dirty="0" smtClean="0"/>
+                  <a:t>1. CAPACITIVE </a:t>
+                </a:r>
+                <a:r>
+                  <a:rPr lang="en-US" sz="2000" b="1" dirty="0"/>
+                  <a:t>BEARING </a:t>
+                </a:r>
+                <a:r>
+                  <a:rPr lang="en-US" sz="2000" b="1" dirty="0" smtClean="0"/>
+                  <a:t>CURRENTS</a:t>
+                </a:r>
+                <a:endParaRPr lang="en-US" sz="2000" b="1" dirty="0"/>
+              </a:p>
+              <a:p>
+                <a:pPr marL="0" indent="0">
+                  <a:buNone/>
+                </a:pPr>
+                <a:r>
+                  <a:rPr lang="en-US" sz="2000" dirty="0" smtClean="0"/>
+                  <a:t>The main </a:t>
+                </a:r>
+                <a:r>
+                  <a:rPr lang="en-US" sz="2000" dirty="0"/>
+                  <a:t>parasitic </a:t>
+                </a:r>
+                <a:r>
+                  <a:rPr lang="en-US" sz="2000" dirty="0" smtClean="0"/>
+                  <a:t>capacitances in </a:t>
+                </a:r>
+                <a:r>
+                  <a:rPr lang="en-US" sz="2000" dirty="0"/>
+                  <a:t>the machine have been identified </a:t>
+                </a:r>
+                <a:r>
+                  <a:rPr lang="en-US" sz="2000" dirty="0" smtClean="0"/>
+                  <a:t>as :</a:t>
+                </a:r>
+              </a:p>
+              <a:p>
+                <a:pPr lvl="1"/>
+                <a:r>
+                  <a:rPr lang="en-US" sz="2000" dirty="0"/>
+                  <a:t>W</a:t>
+                </a:r>
+                <a:r>
+                  <a:rPr lang="en-US" sz="2000" dirty="0" smtClean="0"/>
+                  <a:t>inding-stator </a:t>
+                </a:r>
+                <a:r>
+                  <a:rPr lang="en-US" sz="2000" dirty="0"/>
+                  <a:t>frame capacitor </a:t>
+                </a:r>
+                <a14:m>
+                  <m:oMath xmlns:m="http://schemas.openxmlformats.org/officeDocument/2006/math">
+                    <m:sSub>
+                      <m:sSubPr>
+                        <m:ctrlPr>
+                          <a:rPr lang="en-US" sz="2000" b="0" i="1" dirty="0" smtClean="0">
+                            <a:latin typeface="Cambria Math" panose="02040503050406030204" pitchFamily="18" charset="0"/>
+                          </a:rPr>
+                        </m:ctrlPr>
+                      </m:sSubPr>
+                      <m:e>
+                        <m:r>
+                          <a:rPr lang="en-US" sz="2000" i="1" dirty="0" smtClean="0">
+                            <a:latin typeface="Cambria Math" panose="02040503050406030204" pitchFamily="18" charset="0"/>
+                          </a:rPr>
+                          <m:t>𝐶</m:t>
+                        </m:r>
+                      </m:e>
+                      <m:sub>
+                        <m:r>
+                          <a:rPr lang="en-US" sz="2000" i="1" dirty="0" smtClean="0">
+                            <a:latin typeface="Cambria Math" panose="02040503050406030204" pitchFamily="18" charset="0"/>
+                          </a:rPr>
+                          <m:t>𝑤𝑓</m:t>
+                        </m:r>
+                      </m:sub>
+                    </m:sSub>
+                  </m:oMath>
+                </a14:m>
+                <a:r>
+                  <a:rPr lang="en-US" sz="2000" dirty="0" smtClean="0"/>
+                  <a:t>. </a:t>
+                </a:r>
+              </a:p>
+              <a:p>
+                <a:pPr lvl="1"/>
+                <a:r>
+                  <a:rPr lang="en-US" sz="2000" dirty="0"/>
+                  <a:t>W</a:t>
+                </a:r>
+                <a:r>
+                  <a:rPr lang="en-US" sz="2000" dirty="0" smtClean="0"/>
+                  <a:t>inding-rotor </a:t>
+                </a:r>
+                <a:r>
+                  <a:rPr lang="en-US" sz="2000" dirty="0"/>
+                  <a:t>capacitor </a:t>
+                </a:r>
+                <a14:m>
+                  <m:oMath xmlns:m="http://schemas.openxmlformats.org/officeDocument/2006/math">
+                    <m:sSub>
+                      <m:sSubPr>
+                        <m:ctrlPr>
+                          <a:rPr lang="en-US" sz="2000" b="0" i="1" dirty="0" smtClean="0">
+                            <a:latin typeface="Cambria Math" panose="02040503050406030204" pitchFamily="18" charset="0"/>
+                          </a:rPr>
+                        </m:ctrlPr>
+                      </m:sSubPr>
+                      <m:e>
+                        <m:r>
+                          <a:rPr lang="en-US" sz="2000" i="1" dirty="0" smtClean="0">
+                            <a:latin typeface="Cambria Math" panose="02040503050406030204" pitchFamily="18" charset="0"/>
+                          </a:rPr>
+                          <m:t>𝐶</m:t>
+                        </m:r>
+                      </m:e>
+                      <m:sub>
+                        <m:r>
+                          <a:rPr lang="en-US" sz="2000" i="1" dirty="0" smtClean="0">
+                            <a:latin typeface="Cambria Math" panose="02040503050406030204" pitchFamily="18" charset="0"/>
+                          </a:rPr>
+                          <m:t>𝑤𝑟</m:t>
+                        </m:r>
+                      </m:sub>
+                    </m:sSub>
+                    <m:r>
+                      <a:rPr lang="en-US" sz="2000" i="1" dirty="0" smtClean="0">
+                        <a:latin typeface="Cambria Math" panose="02040503050406030204" pitchFamily="18" charset="0"/>
+                      </a:rPr>
+                      <m:t>. </m:t>
+                    </m:r>
+                  </m:oMath>
+                </a14:m>
+                <a:endParaRPr lang="en-US" sz="2000" dirty="0" smtClean="0"/>
+              </a:p>
+              <a:p>
+                <a:pPr lvl="1"/>
+                <a:r>
+                  <a:rPr lang="en-US" sz="2000" dirty="0"/>
+                  <a:t>S</a:t>
+                </a:r>
+                <a:r>
+                  <a:rPr lang="en-US" sz="2000" dirty="0" smtClean="0"/>
+                  <a:t>tator-rotor </a:t>
+                </a:r>
+                <a:r>
+                  <a:rPr lang="en-US" sz="2000" dirty="0"/>
+                  <a:t>capacitor </a:t>
+                </a:r>
+                <a14:m>
+                  <m:oMath xmlns:m="http://schemas.openxmlformats.org/officeDocument/2006/math">
+                    <m:sSub>
+                      <m:sSubPr>
+                        <m:ctrlPr>
+                          <a:rPr lang="en-US" sz="2000" b="0" i="1" dirty="0" smtClean="0">
+                            <a:latin typeface="Cambria Math" panose="02040503050406030204" pitchFamily="18" charset="0"/>
+                          </a:rPr>
+                        </m:ctrlPr>
+                      </m:sSubPr>
+                      <m:e>
+                        <m:r>
+                          <a:rPr lang="en-US" sz="2000" i="1" dirty="0" smtClean="0">
+                            <a:latin typeface="Cambria Math" panose="02040503050406030204" pitchFamily="18" charset="0"/>
+                          </a:rPr>
+                          <m:t>𝐶</m:t>
+                        </m:r>
+                      </m:e>
+                      <m:sub>
+                        <m:r>
+                          <a:rPr lang="en-US" sz="2000" i="1" dirty="0" smtClean="0">
+                            <a:latin typeface="Cambria Math" panose="02040503050406030204" pitchFamily="18" charset="0"/>
+                          </a:rPr>
+                          <m:t>𝑟𝑓</m:t>
+                        </m:r>
+                      </m:sub>
+                    </m:sSub>
+                  </m:oMath>
+                </a14:m>
+                <a:r>
+                  <a:rPr lang="en-US" sz="2000" dirty="0" smtClean="0"/>
+                  <a:t>.</a:t>
+                </a:r>
+              </a:p>
+              <a:p>
+                <a:pPr lvl="1"/>
+                <a:r>
+                  <a:rPr lang="en-US" sz="2000" dirty="0" smtClean="0"/>
+                  <a:t>The </a:t>
+                </a:r>
+                <a:r>
+                  <a:rPr lang="en-US" sz="2000" dirty="0"/>
+                  <a:t>bearings act as capacitors, </a:t>
+                </a:r>
+                <a14:m>
+                  <m:oMath xmlns:m="http://schemas.openxmlformats.org/officeDocument/2006/math">
+                    <m:sSub>
+                      <m:sSubPr>
+                        <m:ctrlPr>
+                          <a:rPr lang="en-US" sz="2000" b="0" i="1" dirty="0" smtClean="0">
+                            <a:latin typeface="Cambria Math" panose="02040503050406030204" pitchFamily="18" charset="0"/>
+                          </a:rPr>
+                        </m:ctrlPr>
+                      </m:sSubPr>
+                      <m:e>
+                        <m:r>
+                          <a:rPr lang="en-US" sz="2000" i="1" dirty="0" smtClean="0">
+                            <a:latin typeface="Cambria Math" panose="02040503050406030204" pitchFamily="18" charset="0"/>
+                          </a:rPr>
+                          <m:t>𝐶</m:t>
+                        </m:r>
+                      </m:e>
+                      <m:sub>
+                        <m:r>
+                          <a:rPr lang="en-US" sz="2000" i="1" dirty="0" smtClean="0">
+                            <a:latin typeface="Cambria Math" panose="02040503050406030204" pitchFamily="18" charset="0"/>
+                          </a:rPr>
+                          <m:t>𝑏</m:t>
+                        </m:r>
+                        <m:r>
+                          <a:rPr lang="en-US" sz="2000" i="1" dirty="0" smtClean="0">
+                            <a:latin typeface="Cambria Math" panose="02040503050406030204" pitchFamily="18" charset="0"/>
+                          </a:rPr>
+                          <m:t>1</m:t>
+                        </m:r>
+                      </m:sub>
+                    </m:sSub>
+                  </m:oMath>
+                </a14:m>
+                <a:r>
+                  <a:rPr lang="en-US" sz="2000" dirty="0"/>
+                  <a:t> and </a:t>
+                </a:r>
+                <a14:m>
+                  <m:oMath xmlns:m="http://schemas.openxmlformats.org/officeDocument/2006/math">
+                    <m:sSub>
+                      <m:sSubPr>
+                        <m:ctrlPr>
+                          <a:rPr lang="en-US" sz="2000" b="0" i="1" dirty="0" smtClean="0">
+                            <a:latin typeface="Cambria Math" panose="02040503050406030204" pitchFamily="18" charset="0"/>
+                          </a:rPr>
+                        </m:ctrlPr>
+                      </m:sSubPr>
+                      <m:e>
+                        <m:r>
+                          <a:rPr lang="en-US" sz="2000" i="1" dirty="0" smtClean="0">
+                            <a:latin typeface="Cambria Math" panose="02040503050406030204" pitchFamily="18" charset="0"/>
+                          </a:rPr>
+                          <m:t>𝐶</m:t>
+                        </m:r>
+                      </m:e>
+                      <m:sub>
+                        <m:r>
+                          <a:rPr lang="en-US" sz="2000" i="1" dirty="0" smtClean="0">
+                            <a:latin typeface="Cambria Math" panose="02040503050406030204" pitchFamily="18" charset="0"/>
+                          </a:rPr>
+                          <m:t>𝑏</m:t>
+                        </m:r>
+                        <m:r>
+                          <a:rPr lang="en-US" sz="2000" i="1" dirty="0" smtClean="0">
+                            <a:latin typeface="Cambria Math" panose="02040503050406030204" pitchFamily="18" charset="0"/>
+                          </a:rPr>
+                          <m:t>2</m:t>
+                        </m:r>
+                      </m:sub>
+                    </m:sSub>
+                  </m:oMath>
+                </a14:m>
+                <a:r>
+                  <a:rPr lang="en-US" sz="2000" dirty="0" smtClean="0"/>
+                  <a:t>.</a:t>
+                </a:r>
+                <a:endParaRPr lang="sv-SE" sz="2000" dirty="0"/>
+              </a:p>
+              <a:p>
+                <a:pPr lvl="1"/>
+                <a:endParaRPr lang="en-US" sz="2000" dirty="0"/>
+              </a:p>
+              <a:p>
+                <a:pPr marL="0" indent="0">
+                  <a:buNone/>
+                </a:pPr>
+                <a:r>
+                  <a:rPr lang="en-US" sz="1800" dirty="0"/>
+                  <a:t>If the speed is low (&lt; 100rpm), the bearing </a:t>
+                </a:r>
+                <a:r>
+                  <a:rPr lang="en-US" sz="1800" dirty="0" smtClean="0"/>
+                  <a:t>ball may </a:t>
+                </a:r>
+                <a:r>
+                  <a:rPr lang="en-US" sz="1800" dirty="0"/>
+                  <a:t>contact the </a:t>
+                </a:r>
+                <a:r>
+                  <a:rPr lang="en-US" sz="1800" dirty="0" smtClean="0"/>
+                  <a:t>races </a:t>
+                </a:r>
+              </a:p>
+              <a:p>
+                <a:pPr marL="0" indent="0">
+                  <a:buNone/>
+                </a:pPr>
+                <a:r>
+                  <a:rPr lang="en-US" sz="1800" dirty="0" smtClean="0"/>
+                  <a:t>and </a:t>
+                </a:r>
+                <a:r>
+                  <a:rPr lang="en-US" sz="1800" dirty="0"/>
+                  <a:t>hence the bearing is  </a:t>
+                </a:r>
+                <a:r>
+                  <a:rPr lang="en-US" sz="1800" dirty="0" smtClean="0"/>
+                  <a:t>equivalent </a:t>
+                </a:r>
+                <a:r>
+                  <a:rPr lang="en-US" sz="1800" dirty="0"/>
+                  <a:t>to a resistor. </a:t>
+                </a:r>
+                <a:endParaRPr lang="en-US" sz="1800" dirty="0" smtClean="0"/>
+              </a:p>
+              <a:p>
+                <a:pPr marL="0" indent="0">
+                  <a:buNone/>
+                </a:pPr>
+                <a:r>
+                  <a:rPr lang="en-US" sz="1800" dirty="0" smtClean="0"/>
+                  <a:t>The </a:t>
+                </a:r>
+                <a:r>
+                  <a:rPr lang="en-US" sz="1800" dirty="0"/>
+                  <a:t>amplitude of this bearing current is </a:t>
+                </a:r>
+                <a:r>
+                  <a:rPr lang="en-US" sz="1800" dirty="0" smtClean="0"/>
+                  <a:t>typically </a:t>
+                </a:r>
+                <a:r>
+                  <a:rPr lang="en-US" sz="1800" dirty="0"/>
+                  <a:t>≤ 200mA.</a:t>
+                </a:r>
+              </a:p>
+            </p:txBody>
+          </p:sp>
+        </mc:Choice>
+        <mc:Fallback>
+          <p:sp>
+            <p:nvSpPr>
+              <p:cNvPr id="3" name="Content Placeholder 2"/>
+              <p:cNvSpPr>
+                <a:spLocks noGrp="1" noRot="1" noChangeAspect="1" noMove="1" noResize="1" noEditPoints="1" noAdjustHandles="1" noChangeArrowheads="1" noChangeShapeType="1" noTextEdit="1"/>
+              </p:cNvSpPr>
+              <p:nvPr>
+                <p:ph idx="1"/>
+              </p:nvPr>
+            </p:nvSpPr>
+            <p:spPr>
+              <a:xfrm>
+                <a:off x="889000" y="1444625"/>
+                <a:ext cx="10515600" cy="4351338"/>
+              </a:xfrm>
+              <a:blipFill>
+                <a:blip r:embed="rId2"/>
+                <a:stretch>
+                  <a:fillRect l="-638" t="-2101" b="-1261"/>
+                </a:stretch>
+              </a:blipFill>
+            </p:spPr>
+            <p:txBody>
+              <a:bodyPr/>
+              <a:lstStyle/>
+              <a:p>
+                <a:r>
+                  <a:rPr lang="sv-SE">
+                    <a:noFill/>
+                  </a:rPr>
+                  <a:t> </a:t>
+                </a:r>
+              </a:p>
+            </p:txBody>
+          </p:sp>
+        </mc:Fallback>
+      </mc:AlternateContent>
       <p:pic>
         <p:nvPicPr>
           <p:cNvPr id="6" name="Picture 5"/>
@@ -6256,7 +6652,7 @@
           <p:nvPr/>
         </p:nvPicPr>
         <p:blipFill>
-          <a:blip r:embed="rId2"/>
+          <a:blip r:embed="rId3"/>
           <a:stretch>
             <a:fillRect/>
           </a:stretch>
@@ -6280,7 +6676,7 @@
           <p:nvPr/>
         </p:nvPicPr>
         <p:blipFill>
-          <a:blip r:embed="rId3"/>
+          <a:blip r:embed="rId4"/>
           <a:stretch>
             <a:fillRect/>
           </a:stretch>
@@ -6304,7 +6700,7 @@
           <p:nvPr/>
         </p:nvPicPr>
         <p:blipFill>
-          <a:blip r:embed="rId4"/>
+          <a:blip r:embed="rId5"/>
           <a:stretch>
             <a:fillRect/>
           </a:stretch>
@@ -6385,158 +6781,236 @@
           <a:chExt cx="0" cy="0"/>
         </a:xfrm>
       </p:grpSpPr>
-      <p:sp>
-        <p:nvSpPr>
-          <p:cNvPr id="3" name="Content Placeholder 2"/>
-          <p:cNvSpPr>
-            <a:spLocks noGrp="1"/>
-          </p:cNvSpPr>
-          <p:nvPr>
-            <p:ph idx="1"/>
-          </p:nvPr>
-        </p:nvSpPr>
-        <p:spPr>
-          <a:xfrm>
-            <a:off x="889000" y="1444625"/>
-            <a:ext cx="10515600" cy="4351338"/>
-          </a:xfrm>
-        </p:spPr>
-        <p:txBody>
-          <a:bodyPr>
-            <a:normAutofit/>
-          </a:bodyPr>
-          <a:lstStyle/>
-          <a:p>
-            <a:pPr marL="0" indent="0">
-              <a:buNone/>
-            </a:pPr>
-            <a:r>
-              <a:rPr lang="en-US" sz="2000" b="1" dirty="0" smtClean="0"/>
-              <a:t>2. ELECTRIC </a:t>
-            </a:r>
-            <a:r>
-              <a:rPr lang="en-US" sz="2000" b="1" dirty="0"/>
-              <a:t>DISCHARGE MACHINING (EDM) </a:t>
-            </a:r>
-            <a:r>
-              <a:rPr lang="en-US" sz="2000" b="1" dirty="0" smtClean="0"/>
-              <a:t>CURRENTS-</a:t>
-            </a:r>
-            <a:r>
-              <a:rPr lang="en-US" sz="2000" b="1" dirty="0" err="1" smtClean="0"/>
-              <a:t>i</a:t>
-            </a:r>
-            <a:r>
-              <a:rPr lang="en-US" sz="1400" b="1" dirty="0" err="1" smtClean="0"/>
-              <a:t>EDM</a:t>
-            </a:r>
-            <a:endParaRPr lang="en-US" sz="1400" b="1" dirty="0" smtClean="0"/>
-          </a:p>
-          <a:p>
-            <a:pPr marL="0" indent="0">
-              <a:buNone/>
-            </a:pPr>
-            <a:r>
-              <a:rPr lang="en-US" sz="1800" dirty="0" smtClean="0"/>
-              <a:t>Causes:</a:t>
-            </a:r>
-          </a:p>
-          <a:p>
-            <a:pPr lvl="1"/>
-            <a:r>
-              <a:rPr lang="en-US" sz="1800" dirty="0" smtClean="0"/>
-              <a:t>If </a:t>
-            </a:r>
-            <a:r>
-              <a:rPr lang="en-US" sz="1800" dirty="0"/>
-              <a:t>the </a:t>
-            </a:r>
-            <a:r>
-              <a:rPr lang="en-US" sz="1800" dirty="0" smtClean="0"/>
-              <a:t>`</a:t>
-            </a:r>
-            <a:r>
-              <a:rPr lang="en-US" sz="1800" dirty="0" err="1" smtClean="0"/>
-              <a:t>Vb</a:t>
-            </a:r>
-            <a:r>
-              <a:rPr lang="en-US" sz="1800" dirty="0" smtClean="0"/>
-              <a:t>` </a:t>
-            </a:r>
-            <a:r>
-              <a:rPr lang="en-US" sz="1800" dirty="0"/>
-              <a:t>is high enough to cause electrical breakdown of the lubricant film, the energy stored in the rotor-frame capacitance discharges and generates an impulse current. </a:t>
-            </a:r>
-            <a:endParaRPr lang="en-US" sz="1800" dirty="0" smtClean="0"/>
-          </a:p>
-          <a:p>
-            <a:pPr lvl="1"/>
-            <a:r>
-              <a:rPr lang="en-US" sz="1800" dirty="0" smtClean="0"/>
-              <a:t>The </a:t>
-            </a:r>
-            <a:r>
-              <a:rPr lang="en-US" sz="1800" dirty="0"/>
-              <a:t>dielectric lubricant can flow into the channel and form a new insulation film, and thus the bearing capacitance charges again</a:t>
-            </a:r>
-            <a:r>
-              <a:rPr lang="en-US" sz="1800" dirty="0" smtClean="0"/>
-              <a:t>.</a:t>
-            </a:r>
-          </a:p>
-          <a:p>
-            <a:pPr lvl="1"/>
-            <a:r>
-              <a:rPr lang="en-US" sz="1800" dirty="0"/>
-              <a:t>This breakdown-recovery-breakdown process repeatedly continues</a:t>
-            </a:r>
-            <a:r>
-              <a:rPr lang="en-US" sz="1800" dirty="0" smtClean="0"/>
-              <a:t>.</a:t>
-            </a:r>
-          </a:p>
-          <a:p>
-            <a:pPr marL="0" indent="0">
-              <a:buNone/>
-            </a:pPr>
-            <a:r>
-              <a:rPr lang="en-US" sz="1800" dirty="0" smtClean="0"/>
-              <a:t>Consequences:</a:t>
-            </a:r>
-            <a:endParaRPr lang="en-US" sz="1800" dirty="0"/>
-          </a:p>
-          <a:p>
-            <a:pPr lvl="1"/>
-            <a:r>
-              <a:rPr lang="en-US" sz="1800" dirty="0"/>
-              <a:t>The so called EDM current damages the bearing with each impulse as the discharged energy damages the metal </a:t>
-            </a:r>
-            <a:r>
-              <a:rPr lang="en-US" sz="1800" dirty="0" smtClean="0"/>
-              <a:t>surface.</a:t>
-            </a:r>
-          </a:p>
-          <a:p>
-            <a:pPr lvl="1"/>
-            <a:r>
-              <a:rPr lang="en-US" sz="1800" dirty="0"/>
-              <a:t>This process progressively increases the presence of metallic particles in the lubricant, which exacerbates on-going electrical breakdown</a:t>
-            </a:r>
-            <a:r>
-              <a:rPr lang="en-US" sz="1800" dirty="0" smtClean="0"/>
-              <a:t>.</a:t>
-            </a:r>
-          </a:p>
-          <a:p>
-            <a:pPr lvl="1"/>
-            <a:r>
-              <a:rPr lang="en-US" sz="1800" dirty="0"/>
-              <a:t>The vicious circle accelerates bearing failure.</a:t>
-            </a:r>
-            <a:endParaRPr lang="en-US" sz="1800" dirty="0" smtClean="0"/>
-          </a:p>
-        </p:txBody>
-      </p:sp>
+      <mc:AlternateContent xmlns:mc="http://schemas.openxmlformats.org/markup-compatibility/2006">
+        <mc:Choice xmlns:a14="http://schemas.microsoft.com/office/drawing/2010/main" Requires="a14">
+          <p:sp>
+            <p:nvSpPr>
+              <p:cNvPr id="3" name="Content Placeholder 2"/>
+              <p:cNvSpPr>
+                <a:spLocks noGrp="1"/>
+              </p:cNvSpPr>
+              <p:nvPr>
+                <p:ph idx="1"/>
+              </p:nvPr>
+            </p:nvSpPr>
+            <p:spPr>
+              <a:xfrm>
+                <a:off x="889000" y="1444625"/>
+                <a:ext cx="10515600" cy="4351338"/>
+              </a:xfrm>
+            </p:spPr>
+            <p:txBody>
+              <a:bodyPr>
+                <a:normAutofit/>
+              </a:bodyPr>
+              <a:lstStyle/>
+              <a:p>
+                <a:pPr marL="0" indent="0">
+                  <a:buNone/>
+                </a:pPr>
+                <a:r>
+                  <a:rPr lang="en-US" sz="2000" b="1" dirty="0" smtClean="0"/>
+                  <a:t>2. ELECTRIC </a:t>
+                </a:r>
+                <a:r>
+                  <a:rPr lang="en-US" sz="2000" b="1" dirty="0"/>
+                  <a:t>DISCHARGE MACHINING (EDM) </a:t>
+                </a:r>
+                <a:r>
+                  <a:rPr lang="en-US" sz="2000" b="1" dirty="0" smtClean="0"/>
+                  <a:t>CURRENTS-</a:t>
+                </a:r>
+                <a:r>
+                  <a:rPr lang="en-US" sz="2000" b="1" dirty="0" err="1" smtClean="0"/>
+                  <a:t>i</a:t>
+                </a:r>
+                <a:r>
+                  <a:rPr lang="en-US" sz="1400" b="1" dirty="0" err="1" smtClean="0"/>
+                  <a:t>EDM</a:t>
+                </a:r>
+                <a:endParaRPr lang="en-US" sz="1400" b="1" dirty="0" smtClean="0"/>
+              </a:p>
+              <a:p>
+                <a:pPr marL="0" indent="0">
+                  <a:buNone/>
+                </a:pPr>
+                <a:r>
+                  <a:rPr lang="en-US" sz="1800" dirty="0" smtClean="0"/>
+                  <a:t>Causes:</a:t>
+                </a:r>
+              </a:p>
+              <a:p>
+                <a:pPr lvl="1"/>
+                <a:r>
+                  <a:rPr lang="en-US" sz="1800" dirty="0" smtClean="0"/>
+                  <a:t>If </a:t>
+                </a:r>
+                <a:r>
+                  <a:rPr lang="en-US" sz="1800" dirty="0"/>
+                  <a:t>the </a:t>
+                </a:r>
+                <a:r>
+                  <a:rPr lang="en-US" sz="1800" dirty="0" smtClean="0"/>
+                  <a:t>`</a:t>
+                </a:r>
+                <a14:m>
+                  <m:oMath xmlns:m="http://schemas.openxmlformats.org/officeDocument/2006/math">
+                    <m:sSub>
+                      <m:sSubPr>
+                        <m:ctrlPr>
+                          <a:rPr lang="en-US" sz="1800" b="1" i="1" dirty="0" smtClean="0">
+                            <a:latin typeface="Cambria Math" panose="02040503050406030204" pitchFamily="18" charset="0"/>
+                          </a:rPr>
+                        </m:ctrlPr>
+                      </m:sSubPr>
+                      <m:e>
+                        <m:r>
+                          <a:rPr lang="en-US" sz="1800" b="1" i="1" dirty="0" smtClean="0">
+                            <a:latin typeface="Cambria Math" panose="02040503050406030204" pitchFamily="18" charset="0"/>
+                          </a:rPr>
+                          <m:t>𝑽</m:t>
+                        </m:r>
+                      </m:e>
+                      <m:sub>
+                        <m:r>
+                          <a:rPr lang="en-US" sz="1800" b="1" i="1" dirty="0" smtClean="0">
+                            <a:latin typeface="Cambria Math" panose="02040503050406030204" pitchFamily="18" charset="0"/>
+                          </a:rPr>
+                          <m:t>𝒃</m:t>
+                        </m:r>
+                      </m:sub>
+                    </m:sSub>
+                  </m:oMath>
+                </a14:m>
+                <a:r>
+                  <a:rPr lang="en-US" sz="1800" dirty="0" smtClean="0"/>
+                  <a:t>` </a:t>
+                </a:r>
+                <a:r>
+                  <a:rPr lang="en-US" sz="1800" dirty="0"/>
+                  <a:t>is high enough to cause electrical breakdown of the lubricant film, the energy stored in the rotor-frame capacitance discharges and generates an impulse current. </a:t>
+                </a:r>
+                <a:endParaRPr lang="en-US" sz="1800" dirty="0" smtClean="0"/>
+              </a:p>
+              <a:p>
+                <a:pPr lvl="1"/>
+                <a:r>
+                  <a:rPr lang="en-US" sz="1800" dirty="0" smtClean="0"/>
+                  <a:t>The </a:t>
+                </a:r>
+                <a:r>
+                  <a:rPr lang="en-US" sz="1800" dirty="0"/>
+                  <a:t>dielectric lubricant can flow into the channel and form a new insulation film, and thus the bearing capacitance charges again</a:t>
+                </a:r>
+                <a:r>
+                  <a:rPr lang="en-US" sz="1800" dirty="0" smtClean="0"/>
+                  <a:t>.</a:t>
+                </a:r>
+              </a:p>
+              <a:p>
+                <a:pPr lvl="1"/>
+                <a:r>
+                  <a:rPr lang="en-US" sz="1800" dirty="0"/>
+                  <a:t>This </a:t>
+                </a:r>
+                <a:r>
+                  <a:rPr lang="en-US" sz="1800" b="1" dirty="0"/>
+                  <a:t>breakdown-recovery-breakdown </a:t>
+                </a:r>
+                <a:r>
+                  <a:rPr lang="en-US" sz="1800" dirty="0"/>
+                  <a:t>process repeatedly continues</a:t>
+                </a:r>
+                <a:r>
+                  <a:rPr lang="en-US" sz="1800" dirty="0" smtClean="0"/>
+                  <a:t>.</a:t>
+                </a:r>
+              </a:p>
+              <a:p>
+                <a:pPr marL="0" indent="0">
+                  <a:buNone/>
+                </a:pPr>
+                <a:r>
+                  <a:rPr lang="en-US" sz="1800" dirty="0" smtClean="0"/>
+                  <a:t>Consequences:</a:t>
+                </a:r>
+                <a:endParaRPr lang="en-US" sz="1800" dirty="0"/>
+              </a:p>
+              <a:p>
+                <a:pPr lvl="1"/>
+                <a:r>
+                  <a:rPr lang="en-US" sz="1800" dirty="0" smtClean="0"/>
+                  <a:t>EDM </a:t>
+                </a:r>
+                <a:r>
+                  <a:rPr lang="en-US" sz="1800" dirty="0"/>
+                  <a:t>current damages the bearing with each impulse as the discharged energy damages the metal </a:t>
+                </a:r>
+                <a:r>
+                  <a:rPr lang="en-US" sz="1800" dirty="0" smtClean="0"/>
+                  <a:t>surface.</a:t>
+                </a:r>
+              </a:p>
+              <a:p>
+                <a:pPr lvl="1"/>
+                <a:r>
+                  <a:rPr lang="en-US" sz="1800" dirty="0"/>
+                  <a:t>This process progressively increases the presence of metallic particles in the lubricant, which exacerbates on-going electrical breakdown</a:t>
+                </a:r>
+                <a:r>
+                  <a:rPr lang="en-US" sz="1800" dirty="0" smtClean="0"/>
+                  <a:t>.</a:t>
+                </a:r>
+              </a:p>
+              <a:p>
+                <a:pPr lvl="1"/>
+                <a:r>
+                  <a:rPr lang="en-US" sz="1800" dirty="0"/>
+                  <a:t>The vicious circle accelerates bearing failure.</a:t>
+                </a:r>
+                <a:endParaRPr lang="en-US" sz="1800" dirty="0" smtClean="0"/>
+              </a:p>
+            </p:txBody>
+          </p:sp>
+        </mc:Choice>
+        <mc:Fallback>
+          <p:sp>
+            <p:nvSpPr>
+              <p:cNvPr id="3" name="Content Placeholder 2"/>
+              <p:cNvSpPr>
+                <a:spLocks noGrp="1" noRot="1" noChangeAspect="1" noMove="1" noResize="1" noEditPoints="1" noAdjustHandles="1" noChangeArrowheads="1" noChangeShapeType="1" noTextEdit="1"/>
+              </p:cNvSpPr>
+              <p:nvPr>
+                <p:ph idx="1"/>
+              </p:nvPr>
+            </p:nvSpPr>
+            <p:spPr>
+              <a:xfrm>
+                <a:off x="889000" y="1444625"/>
+                <a:ext cx="10515600" cy="4351338"/>
+              </a:xfrm>
+              <a:blipFill>
+                <a:blip r:embed="rId2"/>
+                <a:stretch>
+                  <a:fillRect l="-638" t="-1541"/>
+                </a:stretch>
+              </a:blipFill>
+            </p:spPr>
+            <p:txBody>
+              <a:bodyPr/>
+              <a:lstStyle/>
+              <a:p>
+                <a:r>
+                  <a:rPr lang="sv-SE">
+                    <a:noFill/>
+                  </a:rPr>
+                  <a:t> </a:t>
+                </a:r>
+              </a:p>
+            </p:txBody>
+          </p:sp>
+        </mc:Fallback>
+      </mc:AlternateContent>
       <p:sp>
         <p:nvSpPr>
           <p:cNvPr id="2" name="Title 1"/>
@@ -6662,15 +7136,19 @@
               <a:t>The </a:t>
             </a:r>
             <a:r>
+              <a:rPr lang="en-US" sz="2200" dirty="0" smtClean="0"/>
+              <a:t>CMV generates </a:t>
+            </a:r>
+            <a:r>
               <a:rPr lang="en-US" sz="2200" dirty="0"/>
-              <a:t>common mode voltage generates a high frequency common mode current which flows in the </a:t>
-            </a:r>
-            <a:r>
-              <a:rPr lang="en-US" sz="2200" dirty="0" err="1"/>
+              <a:t>a high frequency common mode current which flows in the </a:t>
+            </a:r>
+            <a:r>
+              <a:rPr lang="en-US" sz="2200" b="1" dirty="0" err="1"/>
               <a:t>winding→stator→ground</a:t>
             </a:r>
             <a:r>
-              <a:rPr lang="en-US" sz="2200" dirty="0"/>
+              <a:rPr lang="en-US" sz="2200" b="1" dirty="0"/>
               <a:t> path</a:t>
             </a:r>
             <a:r>
@@ -6682,11 +7160,27 @@
             <a:pPr lvl="1"/>
             <a:r>
               <a:rPr lang="en-US" sz="2200" dirty="0"/>
-              <a:t>This high frequency current induces a common mode flux which further generates a high frequency voltage along the </a:t>
+              <a:t>This high frequency current </a:t>
+            </a:r>
+            <a:r>
+              <a:rPr lang="en-US" sz="2200" b="1" dirty="0"/>
+              <a:t>induces</a:t>
+            </a:r>
+            <a:r>
+              <a:rPr lang="en-US" sz="2200" dirty="0"/>
+              <a:t> a common mode flux which further generates a </a:t>
+            </a:r>
+            <a:r>
+              <a:rPr lang="en-US" sz="2200" b="1" dirty="0"/>
+              <a:t>high frequency voltage along the </a:t>
+            </a:r>
+            <a:r>
+              <a:rPr lang="en-US" sz="2200" b="1" dirty="0" smtClean="0"/>
+              <a:t>shaft</a:t>
             </a:r>
             <a:r>
               <a:rPr lang="en-US" sz="2200" dirty="0" smtClean="0"/>
-              <a:t>shaft.</a:t>
+              <a:t>.</a:t>
             </a:r>
           </a:p>
           <a:p>
@@ -6697,26 +7191,30 @@
             </a:r>
             <a:r>
               <a:rPr lang="en-US" sz="2200" dirty="0"/>
-              <a:t>shaft voltage causes the circulating bearing currents in the loop: shaft → driving end </a:t>
-            </a:r>
-            <a:r>
-              <a:rPr lang="en-US" sz="2200" dirty="0" err="1"/>
+              <a:t>shaft voltage causes the circulating bearing currents in the loop</a:t>
+            </a:r>
+            <a:r>
+              <a:rPr lang="en-US" sz="2200" b="1" dirty="0"/>
+              <a:t>: shaft → driving end </a:t>
+            </a:r>
+            <a:r>
+              <a:rPr lang="en-US" sz="2200" b="1" dirty="0" err="1"/>
               <a:t>bearing→stator</a:t>
             </a:r>
             <a:r>
-              <a:rPr lang="en-US" sz="2200" dirty="0"/>
+              <a:rPr lang="en-US" sz="2200" b="1" dirty="0"/>
               <a:t> </a:t>
             </a:r>
             <a:r>
-              <a:rPr lang="en-US" sz="2200" dirty="0" err="1"/>
+              <a:rPr lang="en-US" sz="2200" b="1" dirty="0" err="1"/>
               <a:t>frame→non</a:t>
             </a:r>
             <a:r>
-              <a:rPr lang="en-US" sz="2200" dirty="0"/>
+              <a:rPr lang="en-US" sz="2200" b="1" dirty="0"/>
               <a:t> driving end </a:t>
             </a:r>
             <a:r>
-              <a:rPr lang="en-US" sz="2200" dirty="0" err="1"/>
+              <a:rPr lang="en-US" sz="2200" b="1" dirty="0" err="1"/>
               <a:t>bearing→shaft</a:t>
             </a:r>
             <a:r>
@@ -6778,7 +7276,15 @@
             </a:r>
             <a:r>
               <a:rPr lang="en-US" sz="2200" dirty="0"/>
-              <a:t>the impedance of rotor to ground is much lower than the stator to ground impedance, a proportion of the ground current will flow from the rotor through the bearing, since the current flows predominantly in the path with the lowest impedance</a:t>
+              <a:t>the impedance of </a:t>
+            </a:r>
+            <a:r>
+              <a:rPr lang="en-US" sz="2200" b="1" dirty="0"/>
+              <a:t>rotor to ground </a:t>
+            </a:r>
+            <a:r>
+              <a:rPr lang="en-US" sz="2200" dirty="0"/>
+              <a:t>is much lower than the stator to ground impedance, a proportion of the ground current will flow from the rotor through the bearing, since the current flows predominantly in the path with the lowest impedance</a:t>
             </a:r>
             <a:r>
               <a:rPr lang="en-US" sz="2200" dirty="0" smtClean="0"/>
@@ -6893,7 +7399,15 @@
             </a:pPr>
             <a:r>
               <a:rPr lang="en-US" sz="1900" dirty="0"/>
-              <a:t>Since the capacitive bearing currents are usually too small to be harmful to the bearings, in some literature only the last 3 types of bearing currents are </a:t>
+              <a:t>Since the </a:t>
+            </a:r>
+            <a:r>
+              <a:rPr lang="en-US" sz="1900" b="1" dirty="0"/>
+              <a:t>capacitive bearing currents are usually too small </a:t>
+            </a:r>
+            <a:r>
+              <a:rPr lang="en-US" sz="1900" dirty="0"/>
+              <a:t>to be harmful to the bearings, in some literature only the last 3 types of bearing currents are </a:t>
             </a:r>
             <a:r>
               <a:rPr lang="en-US" sz="1900" dirty="0" smtClean="0"/>
@@ -6910,12 +7424,12 @@
               <a:t>The rotor ground current should be investigated on a </a:t>
             </a:r>
             <a:r>
-              <a:rPr lang="en-US" sz="1900" dirty="0" err="1"/>
-              <a:t>caseby</a:t>
+              <a:rPr lang="en-US" sz="1900" dirty="0" smtClean="0"/>
+              <a:t>case-by-case </a:t>
             </a:r>
             <a:r>
               <a:rPr lang="en-US" sz="1900" dirty="0"/>
-              <a:t>-case basis as it is only present if the rotor is grounded, meaning it depends on the configuration of the </a:t>
+              <a:t>basis as it is only present if the rotor is grounded, meaning it depends on the configuration of the </a:t>
             </a:r>
             <a:r>
               <a:rPr lang="en-US" sz="1900" dirty="0" smtClean="0"/>
@@ -6930,7 +7444,23 @@
             </a:pPr>
             <a:r>
               <a:rPr lang="en-US" sz="1900" dirty="0"/>
-              <a:t>Hence, the main interest in published studies has been on the modelling and prediction of the EDM and circulating currents.</a:t>
+              <a:t>Hence, the main interest in published studies has been on the modelling and prediction of the </a:t>
+            </a:r>
+            <a:r>
+              <a:rPr lang="en-US" sz="1900" b="1" dirty="0"/>
+              <a:t>EDM </a:t>
+            </a:r>
+            <a:r>
+              <a:rPr lang="en-US" sz="1900" dirty="0"/>
+              <a:t>and </a:t>
+            </a:r>
+            <a:r>
+              <a:rPr lang="en-US" sz="1900" b="1" dirty="0"/>
+              <a:t>circulating currents</a:t>
+            </a:r>
+            <a:r>
+              <a:rPr lang="en-US" sz="1900" dirty="0"/>
+              <a:t>.</a:t>
             </a:r>
             <a:r>
               <a:rPr lang="en-US" sz="1900" dirty="0" smtClean="0"/>
@@ -7241,7 +7771,10 @@
           </a:bodyPr>
           <a:lstStyle/>
           <a:p>
-            <a:pPr lvl="1"/>
+            <a:pPr marL="742950" lvl="1" indent="-285750">
+              <a:buFont typeface="Arial" panose="020B0604020202020204" pitchFamily="34" charset="0"/>
+              <a:buChar char="•"/>
+            </a:pPr>
             <a:r>
               <a:rPr lang="en-US" dirty="0" smtClean="0"/>
               <a:t>Parameters can be </a:t>
@@ -7264,7 +7797,10 @@
             </a:r>
           </a:p>
           <a:p>
-            <a:pPr lvl="1"/>
+            <a:pPr marL="742950" lvl="1" indent="-285750">
+              <a:buFont typeface="Arial" panose="020B0604020202020204" pitchFamily="34" charset="0"/>
+              <a:buChar char="•"/>
+            </a:pPr>
             <a:r>
               <a:rPr lang="en-US" dirty="0"/>
               <a:t>They can be </a:t>
@@ -7299,7 +7835,10 @@
             </a:r>
           </a:p>
           <a:p>
-            <a:pPr lvl="1"/>
+            <a:pPr marL="742950" lvl="1" indent="-285750">
+              <a:buFont typeface="Arial" panose="020B0604020202020204" pitchFamily="34" charset="0"/>
+              <a:buChar char="•"/>
+            </a:pPr>
             <a:r>
               <a:rPr lang="en-US" b="1" dirty="0" smtClean="0"/>
               <a:t>2D-FEM</a:t>
@@ -7318,7 +7857,10 @@
             </a:r>
           </a:p>
           <a:p>
-            <a:pPr lvl="1"/>
+            <a:pPr marL="742950" lvl="1" indent="-285750">
+              <a:buFont typeface="Arial" panose="020B0604020202020204" pitchFamily="34" charset="0"/>
+              <a:buChar char="•"/>
+            </a:pPr>
             <a:r>
               <a:rPr lang="en-US" b="1" dirty="0" smtClean="0"/>
               <a:t>3D-FEM </a:t>
@@ -7344,6 +7886,72 @@
           <a:p>
             <a:pPr lvl="1"/>
             <a:endParaRPr lang="en-US" dirty="0"/>
+          </a:p>
+        </p:txBody>
+      </p:sp>
+      <p:cxnSp>
+        <p:nvCxnSpPr>
+          <p:cNvPr id="6" name="Straight Arrow Connector 5"/>
+          <p:cNvCxnSpPr/>
+          <p:nvPr/>
+        </p:nvCxnSpPr>
+        <p:spPr>
+          <a:xfrm>
+            <a:off x="5435600" y="4051300"/>
+            <a:ext cx="2063750" cy="228600"/>
+          </a:xfrm>
+          <a:prstGeom prst="straightConnector1">
+            <a:avLst/>
+          </a:prstGeom>
+          <a:ln>
+            <a:solidFill>
+              <a:schemeClr val="tx1"/>
+            </a:solidFill>
+            <a:tailEnd type="triangle"/>
+          </a:ln>
+        </p:spPr>
+        <p:style>
+          <a:lnRef idx="1">
+            <a:schemeClr val="accent1"/>
+          </a:lnRef>
+          <a:fillRef idx="0">
+            <a:schemeClr val="accent1"/>
+          </a:fillRef>
+          <a:effectRef idx="0">
+            <a:schemeClr val="accent1"/>
+          </a:effectRef>
+          <a:fontRef idx="minor">
+            <a:schemeClr val="tx1"/>
+          </a:fontRef>
+        </p:style>
+      </p:cxnSp>
+      <p:sp>
+        <p:nvSpPr>
+          <p:cNvPr id="7" name="TextBox 6"/>
+          <p:cNvSpPr txBox="1"/>
+          <p:nvPr/>
+        </p:nvSpPr>
+        <p:spPr>
+          <a:xfrm>
+            <a:off x="7588250" y="4108450"/>
+            <a:ext cx="1816100" cy="923330"/>
+          </a:xfrm>
+          <a:prstGeom prst="rect">
+            <a:avLst/>
+          </a:prstGeom>
+          <a:noFill/>
+        </p:spPr>
+        <p:txBody>
+          <a:bodyPr wrap="square" rtlCol="0">
+            <a:spAutoFit/>
+          </a:bodyPr>
+          <a:lstStyle/>
+          <a:p>
+            <a:r>
+              <a:rPr lang="en-US" dirty="0" smtClean="0"/>
+              <a:t>After a threshold voltage, EDM occur.</a:t>
+            </a:r>
+            <a:endParaRPr lang="sv-SE" dirty="0"/>
           </a:p>
         </p:txBody>
       </p:sp>
